--- a/PP_Final.pptx
+++ b/PP_Final.pptx
@@ -219,7 +219,7 @@
           <a:p>
             <a:fld id="{99C53D5B-90F3-4FC7-A981-7F5E6CE3A81F}" type="datetimeFigureOut">
               <a:rPr lang="en-US" smtClean="0"/>
-              <a:t>9/24/18</a:t>
+              <a:t>9/24/2018</a:t>
             </a:fld>
             <a:endParaRPr lang="en-US"/>
           </a:p>
@@ -1299,7 +1299,7 @@
             <a:fld id="{B61BEF0D-F0BB-DE4B-95CE-6DB70DBA9567}" type="datetimeFigureOut">
               <a:rPr lang="en-US" dirty="0"/>
               <a:pPr/>
-              <a:t>9/24/18</a:t>
+              <a:t>9/24/2018</a:t>
             </a:fld>
             <a:endParaRPr lang="en-US" dirty="0"/>
           </a:p>
@@ -1634,7 +1634,7 @@
             <a:fld id="{B61BEF0D-F0BB-DE4B-95CE-6DB70DBA9567}" type="datetimeFigureOut">
               <a:rPr lang="en-US" dirty="0"/>
               <a:pPr/>
-              <a:t>9/24/18</a:t>
+              <a:t>9/24/2018</a:t>
             </a:fld>
             <a:endParaRPr lang="en-US" dirty="0"/>
           </a:p>
@@ -2032,7 +2032,7 @@
             <a:fld id="{B61BEF0D-F0BB-DE4B-95CE-6DB70DBA9567}" type="datetimeFigureOut">
               <a:rPr lang="en-US" dirty="0"/>
               <a:pPr/>
-              <a:t>9/24/18</a:t>
+              <a:t>9/24/2018</a:t>
             </a:fld>
             <a:endParaRPr lang="en-US" dirty="0"/>
           </a:p>
@@ -2365,7 +2365,7 @@
             <a:fld id="{B61BEF0D-F0BB-DE4B-95CE-6DB70DBA9567}" type="datetimeFigureOut">
               <a:rPr lang="en-US" dirty="0"/>
               <a:pPr/>
-              <a:t>9/24/18</a:t>
+              <a:t>9/24/2018</a:t>
             </a:fld>
             <a:endParaRPr lang="en-US" dirty="0"/>
           </a:p>
@@ -2682,7 +2682,7 @@
             <a:fld id="{B61BEF0D-F0BB-DE4B-95CE-6DB70DBA9567}" type="datetimeFigureOut">
               <a:rPr lang="en-US" dirty="0"/>
               <a:pPr/>
-              <a:t>9/24/18</a:t>
+              <a:t>9/24/2018</a:t>
             </a:fld>
             <a:endParaRPr lang="en-US" dirty="0"/>
           </a:p>
@@ -3075,7 +3075,7 @@
             <a:fld id="{B61BEF0D-F0BB-DE4B-95CE-6DB70DBA9567}" type="datetimeFigureOut">
               <a:rPr lang="en-US" dirty="0"/>
               <a:pPr/>
-              <a:t>9/24/18</a:t>
+              <a:t>9/24/2018</a:t>
             </a:fld>
             <a:endParaRPr lang="en-US" dirty="0"/>
           </a:p>
@@ -3329,7 +3329,7 @@
             <a:fld id="{B61BEF0D-F0BB-DE4B-95CE-6DB70DBA9567}" type="datetimeFigureOut">
               <a:rPr lang="en-US" dirty="0"/>
               <a:pPr/>
-              <a:t>9/24/18</a:t>
+              <a:t>9/24/2018</a:t>
             </a:fld>
             <a:endParaRPr lang="en-US" dirty="0"/>
           </a:p>
@@ -3588,7 +3588,7 @@
             <a:fld id="{B61BEF0D-F0BB-DE4B-95CE-6DB70DBA9567}" type="datetimeFigureOut">
               <a:rPr lang="en-US" dirty="0"/>
               <a:pPr/>
-              <a:t>9/24/18</a:t>
+              <a:t>9/24/2018</a:t>
             </a:fld>
             <a:endParaRPr lang="en-US" dirty="0"/>
           </a:p>
@@ -3847,7 +3847,7 @@
             <a:fld id="{B61BEF0D-F0BB-DE4B-95CE-6DB70DBA9567}" type="datetimeFigureOut">
               <a:rPr lang="en-US" dirty="0"/>
               <a:pPr/>
-              <a:t>9/24/18</a:t>
+              <a:t>9/24/2018</a:t>
             </a:fld>
             <a:endParaRPr lang="en-US" dirty="0"/>
           </a:p>
@@ -4173,7 +4173,7 @@
             <a:fld id="{B61BEF0D-F0BB-DE4B-95CE-6DB70DBA9567}" type="datetimeFigureOut">
               <a:rPr lang="en-US" dirty="0"/>
               <a:pPr/>
-              <a:t>9/24/18</a:t>
+              <a:t>9/24/2018</a:t>
             </a:fld>
             <a:endParaRPr lang="en-US" dirty="0"/>
           </a:p>
@@ -4493,7 +4493,7 @@
             <a:fld id="{B61BEF0D-F0BB-DE4B-95CE-6DB70DBA9567}" type="datetimeFigureOut">
               <a:rPr lang="en-US" dirty="0"/>
               <a:pPr/>
-              <a:t>9/24/18</a:t>
+              <a:t>9/24/2018</a:t>
             </a:fld>
             <a:endParaRPr lang="en-US" dirty="0"/>
           </a:p>
@@ -4947,7 +4947,7 @@
             <a:fld id="{B61BEF0D-F0BB-DE4B-95CE-6DB70DBA9567}" type="datetimeFigureOut">
               <a:rPr lang="en-US" dirty="0"/>
               <a:pPr/>
-              <a:t>9/24/18</a:t>
+              <a:t>9/24/2018</a:t>
             </a:fld>
             <a:endParaRPr lang="en-US" dirty="0"/>
           </a:p>
@@ -5149,7 +5149,7 @@
             <a:fld id="{B61BEF0D-F0BB-DE4B-95CE-6DB70DBA9567}" type="datetimeFigureOut">
               <a:rPr lang="en-US" dirty="0"/>
               <a:pPr/>
-              <a:t>9/24/18</a:t>
+              <a:t>9/24/2018</a:t>
             </a:fld>
             <a:endParaRPr lang="en-US" dirty="0"/>
           </a:p>
@@ -5323,7 +5323,7 @@
             <a:fld id="{B61BEF0D-F0BB-DE4B-95CE-6DB70DBA9567}" type="datetimeFigureOut">
               <a:rPr lang="en-US" dirty="0"/>
               <a:pPr/>
-              <a:t>9/24/18</a:t>
+              <a:t>9/24/2018</a:t>
             </a:fld>
             <a:endParaRPr lang="en-US" dirty="0"/>
           </a:p>
@@ -5653,7 +5653,7 @@
             <a:fld id="{B61BEF0D-F0BB-DE4B-95CE-6DB70DBA9567}" type="datetimeFigureOut">
               <a:rPr lang="en-US" dirty="0"/>
               <a:pPr/>
-              <a:t>9/24/18</a:t>
+              <a:t>9/24/2018</a:t>
             </a:fld>
             <a:endParaRPr lang="en-US" dirty="0"/>
           </a:p>
@@ -5995,7 +5995,7 @@
             <a:fld id="{B61BEF0D-F0BB-DE4B-95CE-6DB70DBA9567}" type="datetimeFigureOut">
               <a:rPr lang="en-US" dirty="0"/>
               <a:pPr/>
-              <a:t>9/24/18</a:t>
+              <a:t>9/24/2018</a:t>
             </a:fld>
             <a:endParaRPr lang="en-US" dirty="0"/>
           </a:p>
@@ -8109,7 +8109,7 @@
             <a:fld id="{B61BEF0D-F0BB-DE4B-95CE-6DB70DBA9567}" type="datetimeFigureOut">
               <a:rPr lang="en-US" dirty="0"/>
               <a:pPr/>
-              <a:t>9/24/18</a:t>
+              <a:t>9/24/2018</a:t>
             </a:fld>
             <a:endParaRPr lang="en-US" dirty="0"/>
           </a:p>
@@ -8821,6 +8821,10 @@
               <a:rPr lang="en-US" dirty="0"/>
               <a:t>As we can see from the plot of the residuals, we were off on quite a few predictions but we also got some right. </a:t>
             </a:r>
+            <a:r>
+              <a:rPr lang="en-US" b="1" dirty="0"/>
+              <a:t>Our Root-mean-squared-error (RMSE) was 59.8 units (million USD).</a:t>
+            </a:r>
           </a:p>
           <a:p>
             <a:endParaRPr lang="en-US" dirty="0"/>
@@ -8850,10 +8854,10 @@
       </p:sp>
       <p:pic>
         <p:nvPicPr>
-          <p:cNvPr id="3" name="Picture 2">
+          <p:cNvPr id="4" name="Picture 3">
             <a:extLst>
               <a:ext uri="{FF2B5EF4-FFF2-40B4-BE49-F238E27FC236}">
-                <a16:creationId xmlns:a16="http://schemas.microsoft.com/office/drawing/2014/main" id="{B3719DFB-3343-46F0-B812-884B84267FD2}"/>
+                <a16:creationId xmlns:a16="http://schemas.microsoft.com/office/drawing/2014/main" id="{E20B6CF2-961A-481D-B073-45C6D5F54F61}"/>
               </a:ext>
             </a:extLst>
           </p:cNvPr>
@@ -8870,20 +8874,114 @@
         </p:blipFill>
         <p:spPr>
           <a:xfrm>
-            <a:off x="5196312" y="1809344"/>
-            <a:ext cx="6749254" cy="4610909"/>
+            <a:off x="5196312" y="599215"/>
+            <a:ext cx="6749254" cy="1210129"/>
           </a:xfrm>
           <a:prstGeom prst="rect">
             <a:avLst/>
           </a:prstGeom>
         </p:spPr>
       </p:pic>
+      <p:sp>
+        <p:nvSpPr>
+          <p:cNvPr id="6" name="Rectangle 5">
+            <a:extLst>
+              <a:ext uri="{FF2B5EF4-FFF2-40B4-BE49-F238E27FC236}">
+                <a16:creationId xmlns:a16="http://schemas.microsoft.com/office/drawing/2014/main" id="{52768E56-BAC7-449B-8A96-18E008B9FCA3}"/>
+              </a:ext>
+            </a:extLst>
+          </p:cNvPr>
+          <p:cNvSpPr/>
+          <p:nvPr/>
+        </p:nvSpPr>
+        <p:spPr>
+          <a:xfrm>
+            <a:off x="1550292" y="781260"/>
+            <a:ext cx="3438762" cy="369332"/>
+          </a:xfrm>
+          <a:prstGeom prst="rect">
+            <a:avLst/>
+          </a:prstGeom>
+        </p:spPr>
+        <p:txBody>
+          <a:bodyPr wrap="none">
+            <a:spAutoFit/>
+          </a:bodyPr>
+          <a:lstStyle/>
+          <a:p>
+            <a:r>
+              <a:rPr lang="en-US" dirty="0">
+                <a:solidFill>
+                  <a:schemeClr val="accent2">
+                    <a:lumMod val="75000"/>
+                  </a:schemeClr>
+                </a:solidFill>
+                <a:latin typeface="+mj-lt"/>
+                <a:ea typeface="+mj-ea"/>
+                <a:cs typeface="+mj-cs"/>
+              </a:rPr>
+              <a:t>Linear</a:t>
+            </a:r>
+            <a:r>
+              <a:rPr lang="en-US" dirty="0"/>
+              <a:t> </a:t>
+            </a:r>
+            <a:r>
+              <a:rPr lang="en-US" dirty="0">
+                <a:solidFill>
+                  <a:schemeClr val="accent2">
+                    <a:lumMod val="75000"/>
+                  </a:schemeClr>
+                </a:solidFill>
+                <a:latin typeface="+mj-lt"/>
+                <a:ea typeface="+mj-ea"/>
+                <a:cs typeface="+mj-cs"/>
+              </a:rPr>
+              <a:t>Regression</a:t>
+            </a:r>
+            <a:r>
+              <a:rPr lang="en-US" dirty="0"/>
+              <a:t> </a:t>
+            </a:r>
+            <a:r>
+              <a:rPr lang="en-US" dirty="0">
+                <a:solidFill>
+                  <a:schemeClr val="accent2">
+                    <a:lumMod val="75000"/>
+                  </a:schemeClr>
+                </a:solidFill>
+                <a:latin typeface="+mj-lt"/>
+                <a:ea typeface="+mj-ea"/>
+                <a:cs typeface="+mj-cs"/>
+              </a:rPr>
+              <a:t>by</a:t>
+            </a:r>
+            <a:r>
+              <a:rPr lang="en-US" dirty="0"/>
+              <a:t> </a:t>
+            </a:r>
+            <a:r>
+              <a:rPr lang="en-US" dirty="0">
+                <a:solidFill>
+                  <a:schemeClr val="accent2">
+                    <a:lumMod val="75000"/>
+                  </a:schemeClr>
+                </a:solidFill>
+                <a:latin typeface="+mj-lt"/>
+                <a:ea typeface="+mj-ea"/>
+                <a:cs typeface="+mj-cs"/>
+              </a:rPr>
+              <a:t>Platform</a:t>
+            </a:r>
+          </a:p>
+        </p:txBody>
+      </p:sp>
       <p:pic>
         <p:nvPicPr>
-          <p:cNvPr id="4" name="Picture 3">
+          <p:cNvPr id="5" name="Picture 4">
             <a:extLst>
               <a:ext uri="{FF2B5EF4-FFF2-40B4-BE49-F238E27FC236}">
-                <a16:creationId xmlns:a16="http://schemas.microsoft.com/office/drawing/2014/main" id="{E20B6CF2-961A-481D-B073-45C6D5F54F61}"/>
+                <a16:creationId xmlns:a16="http://schemas.microsoft.com/office/drawing/2014/main" id="{12D80C50-DC6F-4CD2-9990-94FA86EF4018}"/>
               </a:ext>
             </a:extLst>
           </p:cNvPr>
@@ -8900,108 +8998,14 @@
         </p:blipFill>
         <p:spPr>
           <a:xfrm>
-            <a:off x="5196312" y="599215"/>
-            <a:ext cx="6749254" cy="1210129"/>
+            <a:off x="5196312" y="1867927"/>
+            <a:ext cx="6749254" cy="4666627"/>
           </a:xfrm>
           <a:prstGeom prst="rect">
             <a:avLst/>
           </a:prstGeom>
         </p:spPr>
       </p:pic>
-      <p:sp>
-        <p:nvSpPr>
-          <p:cNvPr id="6" name="Rectangle 5">
-            <a:extLst>
-              <a:ext uri="{FF2B5EF4-FFF2-40B4-BE49-F238E27FC236}">
-                <a16:creationId xmlns:a16="http://schemas.microsoft.com/office/drawing/2014/main" id="{52768E56-BAC7-449B-8A96-18E008B9FCA3}"/>
-              </a:ext>
-            </a:extLst>
-          </p:cNvPr>
-          <p:cNvSpPr/>
-          <p:nvPr/>
-        </p:nvSpPr>
-        <p:spPr>
-          <a:xfrm>
-            <a:off x="1550292" y="781260"/>
-            <a:ext cx="3438762" cy="369332"/>
-          </a:xfrm>
-          <a:prstGeom prst="rect">
-            <a:avLst/>
-          </a:prstGeom>
-        </p:spPr>
-        <p:txBody>
-          <a:bodyPr wrap="none">
-            <a:spAutoFit/>
-          </a:bodyPr>
-          <a:lstStyle/>
-          <a:p>
-            <a:r>
-              <a:rPr lang="en-US" dirty="0">
-                <a:solidFill>
-                  <a:schemeClr val="accent2">
-                    <a:lumMod val="75000"/>
-                  </a:schemeClr>
-                </a:solidFill>
-                <a:latin typeface="+mj-lt"/>
-                <a:ea typeface="+mj-ea"/>
-                <a:cs typeface="+mj-cs"/>
-              </a:rPr>
-              <a:t>Linear</a:t>
-            </a:r>
-            <a:r>
-              <a:rPr lang="en-US" dirty="0"/>
-              <a:t> </a:t>
-            </a:r>
-            <a:r>
-              <a:rPr lang="en-US" dirty="0">
-                <a:solidFill>
-                  <a:schemeClr val="accent2">
-                    <a:lumMod val="75000"/>
-                  </a:schemeClr>
-                </a:solidFill>
-                <a:latin typeface="+mj-lt"/>
-                <a:ea typeface="+mj-ea"/>
-                <a:cs typeface="+mj-cs"/>
-              </a:rPr>
-              <a:t>Regression</a:t>
-            </a:r>
-            <a:r>
-              <a:rPr lang="en-US" dirty="0"/>
-              <a:t> </a:t>
-            </a:r>
-            <a:r>
-              <a:rPr lang="en-US" dirty="0">
-                <a:solidFill>
-                  <a:schemeClr val="accent2">
-                    <a:lumMod val="75000"/>
-                  </a:schemeClr>
-                </a:solidFill>
-                <a:latin typeface="+mj-lt"/>
-                <a:ea typeface="+mj-ea"/>
-                <a:cs typeface="+mj-cs"/>
-              </a:rPr>
-              <a:t>by</a:t>
-            </a:r>
-            <a:r>
-              <a:rPr lang="en-US" dirty="0"/>
-              <a:t> </a:t>
-            </a:r>
-            <a:r>
-              <a:rPr lang="en-US" dirty="0">
-                <a:solidFill>
-                  <a:schemeClr val="accent2">
-                    <a:lumMod val="75000"/>
-                  </a:schemeClr>
-                </a:solidFill>
-                <a:latin typeface="+mj-lt"/>
-                <a:ea typeface="+mj-ea"/>
-                <a:cs typeface="+mj-cs"/>
-              </a:rPr>
-              <a:t>Platform</a:t>
-            </a:r>
-          </a:p>
-        </p:txBody>
-      </p:sp>
     </p:spTree>
     <p:extLst>
       <p:ext uri="{BB962C8B-B14F-4D97-AF65-F5344CB8AC3E}">
